--- a/documentation/Software 2.0.pptx
+++ b/documentation/Software 2.0.pptx
@@ -17,11 +17,11 @@
     <p:sldId id="266" r:id="rId11"/>
     <p:sldId id="267" r:id="rId12"/>
     <p:sldId id="268" r:id="rId13"/>
-    <p:sldId id="269" r:id="rId14"/>
-    <p:sldId id="270" r:id="rId15"/>
-    <p:sldId id="271" r:id="rId16"/>
-    <p:sldId id="272" r:id="rId17"/>
-    <p:sldId id="273" r:id="rId18"/>
+    <p:sldId id="270" r:id="rId14"/>
+    <p:sldId id="271" r:id="rId15"/>
+    <p:sldId id="272" r:id="rId16"/>
+    <p:sldId id="273" r:id="rId17"/>
+    <p:sldId id="274" r:id="rId18"/>
   </p:sldIdLst>
   <p:sldSz cx="12192000" cy="6858000"/>
   <p:notesSz cx="6858000" cy="9144000"/>
@@ -275,7 +275,7 @@
           <a:p>
             <a:fld id="{95AC5385-016D-5A41-A4C9-0B797D434028}" type="datetimeFigureOut">
               <a:rPr lang="en-US" smtClean="0"/>
-              <a:t>10/3/19</a:t>
+              <a:t>10/4/19</a:t>
             </a:fld>
             <a:endParaRPr lang="en-US"/>
           </a:p>
@@ -473,7 +473,7 @@
           <a:p>
             <a:fld id="{95AC5385-016D-5A41-A4C9-0B797D434028}" type="datetimeFigureOut">
               <a:rPr lang="en-US" smtClean="0"/>
-              <a:t>10/3/19</a:t>
+              <a:t>10/4/19</a:t>
             </a:fld>
             <a:endParaRPr lang="en-US"/>
           </a:p>
@@ -681,7 +681,7 @@
           <a:p>
             <a:fld id="{95AC5385-016D-5A41-A4C9-0B797D434028}" type="datetimeFigureOut">
               <a:rPr lang="en-US" smtClean="0"/>
-              <a:t>10/3/19</a:t>
+              <a:t>10/4/19</a:t>
             </a:fld>
             <a:endParaRPr lang="en-US"/>
           </a:p>
@@ -879,7 +879,7 @@
           <a:p>
             <a:fld id="{95AC5385-016D-5A41-A4C9-0B797D434028}" type="datetimeFigureOut">
               <a:rPr lang="en-US" smtClean="0"/>
-              <a:t>10/3/19</a:t>
+              <a:t>10/4/19</a:t>
             </a:fld>
             <a:endParaRPr lang="en-US"/>
           </a:p>
@@ -1154,7 +1154,7 @@
           <a:p>
             <a:fld id="{95AC5385-016D-5A41-A4C9-0B797D434028}" type="datetimeFigureOut">
               <a:rPr lang="en-US" smtClean="0"/>
-              <a:t>10/3/19</a:t>
+              <a:t>10/4/19</a:t>
             </a:fld>
             <a:endParaRPr lang="en-US"/>
           </a:p>
@@ -1419,7 +1419,7 @@
           <a:p>
             <a:fld id="{95AC5385-016D-5A41-A4C9-0B797D434028}" type="datetimeFigureOut">
               <a:rPr lang="en-US" smtClean="0"/>
-              <a:t>10/3/19</a:t>
+              <a:t>10/4/19</a:t>
             </a:fld>
             <a:endParaRPr lang="en-US"/>
           </a:p>
@@ -1831,7 +1831,7 @@
           <a:p>
             <a:fld id="{95AC5385-016D-5A41-A4C9-0B797D434028}" type="datetimeFigureOut">
               <a:rPr lang="en-US" smtClean="0"/>
-              <a:t>10/3/19</a:t>
+              <a:t>10/4/19</a:t>
             </a:fld>
             <a:endParaRPr lang="en-US"/>
           </a:p>
@@ -1972,7 +1972,7 @@
           <a:p>
             <a:fld id="{95AC5385-016D-5A41-A4C9-0B797D434028}" type="datetimeFigureOut">
               <a:rPr lang="en-US" smtClean="0"/>
-              <a:t>10/3/19</a:t>
+              <a:t>10/4/19</a:t>
             </a:fld>
             <a:endParaRPr lang="en-US"/>
           </a:p>
@@ -2085,7 +2085,7 @@
           <a:p>
             <a:fld id="{95AC5385-016D-5A41-A4C9-0B797D434028}" type="datetimeFigureOut">
               <a:rPr lang="en-US" smtClean="0"/>
-              <a:t>10/3/19</a:t>
+              <a:t>10/4/19</a:t>
             </a:fld>
             <a:endParaRPr lang="en-US"/>
           </a:p>
@@ -2396,7 +2396,7 @@
           <a:p>
             <a:fld id="{95AC5385-016D-5A41-A4C9-0B797D434028}" type="datetimeFigureOut">
               <a:rPr lang="en-US" smtClean="0"/>
-              <a:t>10/3/19</a:t>
+              <a:t>10/4/19</a:t>
             </a:fld>
             <a:endParaRPr lang="en-US"/>
           </a:p>
@@ -2684,7 +2684,7 @@
           <a:p>
             <a:fld id="{95AC5385-016D-5A41-A4C9-0B797D434028}" type="datetimeFigureOut">
               <a:rPr lang="en-US" smtClean="0"/>
-              <a:t>10/3/19</a:t>
+              <a:t>10/4/19</a:t>
             </a:fld>
             <a:endParaRPr lang="en-US"/>
           </a:p>
@@ -2925,7 +2925,7 @@
           <a:p>
             <a:fld id="{95AC5385-016D-5A41-A4C9-0B797D434028}" type="datetimeFigureOut">
               <a:rPr lang="en-US" smtClean="0"/>
-              <a:t>10/3/19</a:t>
+              <a:t>10/4/19</a:t>
             </a:fld>
             <a:endParaRPr lang="en-US"/>
           </a:p>
@@ -5491,34 +5491,105 @@
       </p:grpSpPr>
       <p:sp>
         <p:nvSpPr>
-          <p:cNvPr id="2" name="Title 1">
-            <a:extLst>
-              <a:ext uri="{FF2B5EF4-FFF2-40B4-BE49-F238E27FC236}">
-                <a16:creationId xmlns:a16="http://schemas.microsoft.com/office/drawing/2014/main" id="{61CC2610-442A-3D4D-822B-B37E9CCC6745}"/>
-              </a:ext>
-            </a:extLst>
-          </p:cNvPr>
-          <p:cNvSpPr>
-            <a:spLocks noGrp="1"/>
-          </p:cNvSpPr>
-          <p:nvPr>
-            <p:ph type="title"/>
-          </p:nvPr>
-        </p:nvSpPr>
-        <p:spPr>
-          <a:xfrm>
-            <a:off x="914400" y="2803525"/>
-            <a:ext cx="10515600" cy="841375"/>
-          </a:xfrm>
-        </p:spPr>
-        <p:txBody>
-          <a:bodyPr/>
-          <a:lstStyle/>
-          <a:p>
-            <a:pPr algn="ctr"/>
+          <p:cNvPr id="4" name="TextBox 3">
+            <a:extLst>
+              <a:ext uri="{FF2B5EF4-FFF2-40B4-BE49-F238E27FC236}">
+                <a16:creationId xmlns:a16="http://schemas.microsoft.com/office/drawing/2014/main" id="{D5100CF0-F716-B543-B6EF-539412018CB1}"/>
+              </a:ext>
+            </a:extLst>
+          </p:cNvPr>
+          <p:cNvSpPr txBox="1"/>
+          <p:nvPr/>
+        </p:nvSpPr>
+        <p:spPr>
+          <a:xfrm>
+            <a:off x="3102795" y="2547990"/>
+            <a:ext cx="5737212" cy="1200329"/>
+          </a:xfrm>
+          <a:prstGeom prst="rect">
+            <a:avLst/>
+          </a:prstGeom>
+          <a:noFill/>
+        </p:spPr>
+        <p:txBody>
+          <a:bodyPr wrap="none" rtlCol="0">
+            <a:spAutoFit/>
+          </a:bodyPr>
+          <a:lstStyle/>
+          <a:p>
+            <a:r>
+              <a:rPr lang="en-US" sz="7200" dirty="0"/>
+              <a:t>SOFTWARE 2.0</a:t>
+            </a:r>
+          </a:p>
+        </p:txBody>
+      </p:sp>
+      <p:sp>
+        <p:nvSpPr>
+          <p:cNvPr id="5" name="TextBox 4">
+            <a:extLst>
+              <a:ext uri="{FF2B5EF4-FFF2-40B4-BE49-F238E27FC236}">
+                <a16:creationId xmlns:a16="http://schemas.microsoft.com/office/drawing/2014/main" id="{012A3482-642D-0C45-BA70-79C9C9F0C4C9}"/>
+              </a:ext>
+            </a:extLst>
+          </p:cNvPr>
+          <p:cNvSpPr txBox="1"/>
+          <p:nvPr/>
+        </p:nvSpPr>
+        <p:spPr>
+          <a:xfrm>
+            <a:off x="4911048" y="3647326"/>
+            <a:ext cx="1592872" cy="369332"/>
+          </a:xfrm>
+          <a:prstGeom prst="rect">
+            <a:avLst/>
+          </a:prstGeom>
+          <a:noFill/>
+        </p:spPr>
+        <p:txBody>
+          <a:bodyPr wrap="none" rtlCol="0">
+            <a:spAutoFit/>
+          </a:bodyPr>
+          <a:lstStyle/>
+          <a:p>
             <a:r>
               <a:rPr lang="en-US" dirty="0"/>
-              <a:t>Thank You</a:t>
+              <a:t>UI Applications</a:t>
+            </a:r>
+          </a:p>
+        </p:txBody>
+      </p:sp>
+      <p:sp>
+        <p:nvSpPr>
+          <p:cNvPr id="6" name="TextBox 5">
+            <a:extLst>
+              <a:ext uri="{FF2B5EF4-FFF2-40B4-BE49-F238E27FC236}">
+                <a16:creationId xmlns:a16="http://schemas.microsoft.com/office/drawing/2014/main" id="{CCF420B6-5D74-D048-A51A-636D2A00B80A}"/>
+              </a:ext>
+            </a:extLst>
+          </p:cNvPr>
+          <p:cNvSpPr txBox="1"/>
+          <p:nvPr/>
+        </p:nvSpPr>
+        <p:spPr>
+          <a:xfrm>
+            <a:off x="5046470" y="4016120"/>
+            <a:ext cx="1399679" cy="276999"/>
+          </a:xfrm>
+          <a:prstGeom prst="rect">
+            <a:avLst/>
+          </a:prstGeom>
+          <a:noFill/>
+        </p:spPr>
+        <p:txBody>
+          <a:bodyPr wrap="none" rtlCol="0">
+            <a:spAutoFit/>
+          </a:bodyPr>
+          <a:lstStyle/>
+          <a:p>
+            <a:r>
+              <a:rPr lang="en-US" sz="1200" dirty="0"/>
+              <a:t>Demo:2 | 7-OCT-19</a:t>
             </a:r>
           </a:p>
         </p:txBody>
@@ -5526,7 +5597,7 @@
     </p:spTree>
     <p:extLst>
       <p:ext uri="{BB962C8B-B14F-4D97-AF65-F5344CB8AC3E}">
-        <p14:creationId xmlns:p14="http://schemas.microsoft.com/office/powerpoint/2010/main" val="1130377484"/>
+        <p14:creationId xmlns:p14="http://schemas.microsoft.com/office/powerpoint/2010/main" val="396526578"/>
       </p:ext>
     </p:extLst>
   </p:cSld>
@@ -5555,141 +5626,6 @@
       </p:grpSpPr>
       <p:sp>
         <p:nvSpPr>
-          <p:cNvPr id="4" name="TextBox 3">
-            <a:extLst>
-              <a:ext uri="{FF2B5EF4-FFF2-40B4-BE49-F238E27FC236}">
-                <a16:creationId xmlns:a16="http://schemas.microsoft.com/office/drawing/2014/main" id="{D5100CF0-F716-B543-B6EF-539412018CB1}"/>
-              </a:ext>
-            </a:extLst>
-          </p:cNvPr>
-          <p:cNvSpPr txBox="1"/>
-          <p:nvPr/>
-        </p:nvSpPr>
-        <p:spPr>
-          <a:xfrm>
-            <a:off x="3102795" y="2547990"/>
-            <a:ext cx="5737212" cy="1200329"/>
-          </a:xfrm>
-          <a:prstGeom prst="rect">
-            <a:avLst/>
-          </a:prstGeom>
-          <a:noFill/>
-        </p:spPr>
-        <p:txBody>
-          <a:bodyPr wrap="none" rtlCol="0">
-            <a:spAutoFit/>
-          </a:bodyPr>
-          <a:lstStyle/>
-          <a:p>
-            <a:r>
-              <a:rPr lang="en-US" sz="7200" dirty="0"/>
-              <a:t>SOFTWARE 2.0</a:t>
-            </a:r>
-          </a:p>
-        </p:txBody>
-      </p:sp>
-      <p:sp>
-        <p:nvSpPr>
-          <p:cNvPr id="5" name="TextBox 4">
-            <a:extLst>
-              <a:ext uri="{FF2B5EF4-FFF2-40B4-BE49-F238E27FC236}">
-                <a16:creationId xmlns:a16="http://schemas.microsoft.com/office/drawing/2014/main" id="{012A3482-642D-0C45-BA70-79C9C9F0C4C9}"/>
-              </a:ext>
-            </a:extLst>
-          </p:cNvPr>
-          <p:cNvSpPr txBox="1"/>
-          <p:nvPr/>
-        </p:nvSpPr>
-        <p:spPr>
-          <a:xfrm>
-            <a:off x="4911048" y="3647326"/>
-            <a:ext cx="1592872" cy="369332"/>
-          </a:xfrm>
-          <a:prstGeom prst="rect">
-            <a:avLst/>
-          </a:prstGeom>
-          <a:noFill/>
-        </p:spPr>
-        <p:txBody>
-          <a:bodyPr wrap="none" rtlCol="0">
-            <a:spAutoFit/>
-          </a:bodyPr>
-          <a:lstStyle/>
-          <a:p>
-            <a:r>
-              <a:rPr lang="en-US" dirty="0"/>
-              <a:t>UI Applications</a:t>
-            </a:r>
-          </a:p>
-        </p:txBody>
-      </p:sp>
-      <p:sp>
-        <p:nvSpPr>
-          <p:cNvPr id="6" name="TextBox 5">
-            <a:extLst>
-              <a:ext uri="{FF2B5EF4-FFF2-40B4-BE49-F238E27FC236}">
-                <a16:creationId xmlns:a16="http://schemas.microsoft.com/office/drawing/2014/main" id="{CCF420B6-5D74-D048-A51A-636D2A00B80A}"/>
-              </a:ext>
-            </a:extLst>
-          </p:cNvPr>
-          <p:cNvSpPr txBox="1"/>
-          <p:nvPr/>
-        </p:nvSpPr>
-        <p:spPr>
-          <a:xfrm>
-            <a:off x="5046470" y="4016120"/>
-            <a:ext cx="1399679" cy="276999"/>
-          </a:xfrm>
-          <a:prstGeom prst="rect">
-            <a:avLst/>
-          </a:prstGeom>
-          <a:noFill/>
-        </p:spPr>
-        <p:txBody>
-          <a:bodyPr wrap="none" rtlCol="0">
-            <a:spAutoFit/>
-          </a:bodyPr>
-          <a:lstStyle/>
-          <a:p>
-            <a:r>
-              <a:rPr lang="en-US" sz="1200" dirty="0"/>
-              <a:t>Demo:2 | 7-OCT-19</a:t>
-            </a:r>
-          </a:p>
-        </p:txBody>
-      </p:sp>
-    </p:spTree>
-    <p:extLst>
-      <p:ext uri="{BB962C8B-B14F-4D97-AF65-F5344CB8AC3E}">
-        <p14:creationId xmlns:p14="http://schemas.microsoft.com/office/powerpoint/2010/main" val="396526578"/>
-      </p:ext>
-    </p:extLst>
-  </p:cSld>
-  <p:clrMapOvr>
-    <a:masterClrMapping/>
-  </p:clrMapOvr>
-</p:sld>
-</file>
-
-<file path=ppt/slides/slide15.xml><?xml version="1.0" encoding="utf-8"?>
-<p:sld xmlns:a="http://schemas.openxmlformats.org/drawingml/2006/main" xmlns:r="http://schemas.openxmlformats.org/officeDocument/2006/relationships" xmlns:p="http://schemas.openxmlformats.org/presentationml/2006/main">
-  <p:cSld>
-    <p:spTree>
-      <p:nvGrpSpPr>
-        <p:cNvPr id="1" name=""/>
-        <p:cNvGrpSpPr/>
-        <p:nvPr/>
-      </p:nvGrpSpPr>
-      <p:grpSpPr>
-        <a:xfrm>
-          <a:off x="0" y="0"/>
-          <a:ext cx="0" cy="0"/>
-          <a:chOff x="0" y="0"/>
-          <a:chExt cx="0" cy="0"/>
-        </a:xfrm>
-      </p:grpSpPr>
-      <p:sp>
-        <p:nvSpPr>
           <p:cNvPr id="2" name="Title 1">
             <a:extLst>
               <a:ext uri="{FF2B5EF4-FFF2-40B4-BE49-F238E27FC236}">
@@ -5775,7 +5711,7 @@
 </p:sld>
 </file>
 
-<file path=ppt/slides/slide16.xml><?xml version="1.0" encoding="utf-8"?>
+<file path=ppt/slides/slide15.xml><?xml version="1.0" encoding="utf-8"?>
 <p:sld xmlns:a="http://schemas.openxmlformats.org/drawingml/2006/main" xmlns:r="http://schemas.openxmlformats.org/officeDocument/2006/relationships" xmlns:p="http://schemas.openxmlformats.org/presentationml/2006/main">
   <p:cSld>
     <p:spTree>
@@ -6818,6 +6754,400 @@
 </p:sld>
 </file>
 
+<file path=ppt/slides/slide16.xml><?xml version="1.0" encoding="utf-8"?>
+<p:sld xmlns:a="http://schemas.openxmlformats.org/drawingml/2006/main" xmlns:r="http://schemas.openxmlformats.org/officeDocument/2006/relationships" xmlns:p="http://schemas.openxmlformats.org/presentationml/2006/main">
+  <p:cSld>
+    <p:spTree>
+      <p:nvGrpSpPr>
+        <p:cNvPr id="1" name=""/>
+        <p:cNvGrpSpPr/>
+        <p:nvPr/>
+      </p:nvGrpSpPr>
+      <p:grpSpPr>
+        <a:xfrm>
+          <a:off x="0" y="0"/>
+          <a:ext cx="0" cy="0"/>
+          <a:chOff x="0" y="0"/>
+          <a:chExt cx="0" cy="0"/>
+        </a:xfrm>
+      </p:grpSpPr>
+      <p:sp>
+        <p:nvSpPr>
+          <p:cNvPr id="2" name="Title 1">
+            <a:extLst>
+              <a:ext uri="{FF2B5EF4-FFF2-40B4-BE49-F238E27FC236}">
+                <a16:creationId xmlns:a16="http://schemas.microsoft.com/office/drawing/2014/main" id="{7814F5F0-3E9D-4D45-AEA1-99ABC2669319}"/>
+              </a:ext>
+            </a:extLst>
+          </p:cNvPr>
+          <p:cNvSpPr>
+            <a:spLocks noGrp="1"/>
+          </p:cNvSpPr>
+          <p:nvPr>
+            <p:ph type="title"/>
+          </p:nvPr>
+        </p:nvSpPr>
+        <p:spPr/>
+        <p:txBody>
+          <a:bodyPr/>
+          <a:lstStyle/>
+          <a:p>
+            <a:r>
+              <a:rPr lang="en-US" dirty="0"/>
+              <a:t>Nested Layout </a:t>
+            </a:r>
+          </a:p>
+        </p:txBody>
+      </p:sp>
+      <p:sp>
+        <p:nvSpPr>
+          <p:cNvPr id="3" name="Content Placeholder 2">
+            <a:extLst>
+              <a:ext uri="{FF2B5EF4-FFF2-40B4-BE49-F238E27FC236}">
+                <a16:creationId xmlns:a16="http://schemas.microsoft.com/office/drawing/2014/main" id="{9F0754AB-7E7A-624B-8E42-F8916387B701}"/>
+              </a:ext>
+            </a:extLst>
+          </p:cNvPr>
+          <p:cNvSpPr>
+            <a:spLocks noGrp="1"/>
+          </p:cNvSpPr>
+          <p:nvPr>
+            <p:ph idx="1"/>
+          </p:nvPr>
+        </p:nvSpPr>
+        <p:spPr>
+          <a:xfrm>
+            <a:off x="838200" y="1825625"/>
+            <a:ext cx="10515600" cy="917575"/>
+          </a:xfrm>
+        </p:spPr>
+        <p:txBody>
+          <a:bodyPr/>
+          <a:lstStyle/>
+          <a:p>
+            <a:r>
+              <a:rPr lang="en-US" dirty="0"/>
+              <a:t>Elements can have layouts within them(Max N-Rows,12 Components, N Depth)</a:t>
+            </a:r>
+          </a:p>
+          <a:p>
+            <a:endParaRPr lang="en-US" dirty="0"/>
+          </a:p>
+          <a:p>
+            <a:endParaRPr lang="en-US" dirty="0"/>
+          </a:p>
+          <a:p>
+            <a:endParaRPr lang="en-US" dirty="0"/>
+          </a:p>
+        </p:txBody>
+      </p:sp>
+      <p:sp>
+        <p:nvSpPr>
+          <p:cNvPr id="8" name="Rectangle 7">
+            <a:extLst>
+              <a:ext uri="{FF2B5EF4-FFF2-40B4-BE49-F238E27FC236}">
+                <a16:creationId xmlns:a16="http://schemas.microsoft.com/office/drawing/2014/main" id="{9C2B9533-0CFC-144C-B287-67D4DB55634B}"/>
+              </a:ext>
+            </a:extLst>
+          </p:cNvPr>
+          <p:cNvSpPr/>
+          <p:nvPr/>
+        </p:nvSpPr>
+        <p:spPr>
+          <a:xfrm>
+            <a:off x="838200" y="2878137"/>
+            <a:ext cx="9883740" cy="1785063"/>
+          </a:xfrm>
+          <a:prstGeom prst="rect">
+            <a:avLst/>
+          </a:prstGeom>
+        </p:spPr>
+        <p:style>
+          <a:lnRef idx="2">
+            <a:schemeClr val="accent1">
+              <a:shade val="50000"/>
+            </a:schemeClr>
+          </a:lnRef>
+          <a:fillRef idx="1">
+            <a:schemeClr val="accent1"/>
+          </a:fillRef>
+          <a:effectRef idx="0">
+            <a:schemeClr val="accent1"/>
+          </a:effectRef>
+          <a:fontRef idx="minor">
+            <a:schemeClr val="lt1"/>
+          </a:fontRef>
+        </p:style>
+        <p:txBody>
+          <a:bodyPr rtlCol="0" anchor="b"/>
+          <a:lstStyle/>
+          <a:p>
+            <a:pPr algn="ctr"/>
+            <a:r>
+              <a:rPr lang="en-US" dirty="0"/>
+              <a:t>Row-1</a:t>
+            </a:r>
+          </a:p>
+        </p:txBody>
+      </p:sp>
+      <p:sp>
+        <p:nvSpPr>
+          <p:cNvPr id="9" name="Rectangle 8">
+            <a:extLst>
+              <a:ext uri="{FF2B5EF4-FFF2-40B4-BE49-F238E27FC236}">
+                <a16:creationId xmlns:a16="http://schemas.microsoft.com/office/drawing/2014/main" id="{196B9B69-09AE-4B42-84D4-4F65B2C1D7CD}"/>
+              </a:ext>
+            </a:extLst>
+          </p:cNvPr>
+          <p:cNvSpPr/>
+          <p:nvPr/>
+        </p:nvSpPr>
+        <p:spPr>
+          <a:xfrm>
+            <a:off x="961491" y="3023689"/>
+            <a:ext cx="1756881" cy="1335640"/>
+          </a:xfrm>
+          <a:prstGeom prst="rect">
+            <a:avLst/>
+          </a:prstGeom>
+        </p:spPr>
+        <p:style>
+          <a:lnRef idx="2">
+            <a:schemeClr val="accent5">
+              <a:shade val="50000"/>
+            </a:schemeClr>
+          </a:lnRef>
+          <a:fillRef idx="1">
+            <a:schemeClr val="accent5"/>
+          </a:fillRef>
+          <a:effectRef idx="0">
+            <a:schemeClr val="accent5"/>
+          </a:effectRef>
+          <a:fontRef idx="minor">
+            <a:schemeClr val="lt1"/>
+          </a:fontRef>
+        </p:style>
+        <p:txBody>
+          <a:bodyPr rtlCol="0" anchor="ctr"/>
+          <a:lstStyle/>
+          <a:p>
+            <a:pPr algn="ctr"/>
+            <a:r>
+              <a:rPr lang="en-US" dirty="0"/>
+              <a:t>Component-1</a:t>
+            </a:r>
+          </a:p>
+        </p:txBody>
+      </p:sp>
+      <p:sp>
+        <p:nvSpPr>
+          <p:cNvPr id="10" name="Rectangle 9">
+            <a:extLst>
+              <a:ext uri="{FF2B5EF4-FFF2-40B4-BE49-F238E27FC236}">
+                <a16:creationId xmlns:a16="http://schemas.microsoft.com/office/drawing/2014/main" id="{093C5B44-BDDB-D447-93FA-449A9A0474EC}"/>
+              </a:ext>
+            </a:extLst>
+          </p:cNvPr>
+          <p:cNvSpPr/>
+          <p:nvPr/>
+        </p:nvSpPr>
+        <p:spPr>
+          <a:xfrm>
+            <a:off x="2841663" y="3023689"/>
+            <a:ext cx="1756881" cy="1335640"/>
+          </a:xfrm>
+          <a:prstGeom prst="rect">
+            <a:avLst/>
+          </a:prstGeom>
+        </p:spPr>
+        <p:style>
+          <a:lnRef idx="2">
+            <a:schemeClr val="accent5">
+              <a:shade val="50000"/>
+            </a:schemeClr>
+          </a:lnRef>
+          <a:fillRef idx="1">
+            <a:schemeClr val="accent5"/>
+          </a:fillRef>
+          <a:effectRef idx="0">
+            <a:schemeClr val="accent5"/>
+          </a:effectRef>
+          <a:fontRef idx="minor">
+            <a:schemeClr val="lt1"/>
+          </a:fontRef>
+        </p:style>
+        <p:txBody>
+          <a:bodyPr rtlCol="0" anchor="ctr"/>
+          <a:lstStyle/>
+          <a:p>
+            <a:pPr algn="ctr"/>
+            <a:r>
+              <a:rPr lang="en-US" dirty="0"/>
+              <a:t>Component-2</a:t>
+            </a:r>
+          </a:p>
+        </p:txBody>
+      </p:sp>
+      <p:sp>
+        <p:nvSpPr>
+          <p:cNvPr id="11" name="Rectangle 10">
+            <a:extLst>
+              <a:ext uri="{FF2B5EF4-FFF2-40B4-BE49-F238E27FC236}">
+                <a16:creationId xmlns:a16="http://schemas.microsoft.com/office/drawing/2014/main" id="{C6AF6653-D8E2-6F46-B699-D13162A3D8E8}"/>
+              </a:ext>
+            </a:extLst>
+          </p:cNvPr>
+          <p:cNvSpPr/>
+          <p:nvPr/>
+        </p:nvSpPr>
+        <p:spPr>
+          <a:xfrm>
+            <a:off x="8840057" y="3023689"/>
+            <a:ext cx="1756881" cy="1335640"/>
+          </a:xfrm>
+          <a:prstGeom prst="rect">
+            <a:avLst/>
+          </a:prstGeom>
+        </p:spPr>
+        <p:style>
+          <a:lnRef idx="2">
+            <a:schemeClr val="accent5">
+              <a:shade val="50000"/>
+            </a:schemeClr>
+          </a:lnRef>
+          <a:fillRef idx="1">
+            <a:schemeClr val="accent5"/>
+          </a:fillRef>
+          <a:effectRef idx="0">
+            <a:schemeClr val="accent5"/>
+          </a:effectRef>
+          <a:fontRef idx="minor">
+            <a:schemeClr val="lt1"/>
+          </a:fontRef>
+        </p:style>
+        <p:txBody>
+          <a:bodyPr rtlCol="0" anchor="ctr"/>
+          <a:lstStyle/>
+          <a:p>
+            <a:pPr algn="ctr"/>
+            <a:r>
+              <a:rPr lang="en-US" dirty="0"/>
+              <a:t>Component-12</a:t>
+            </a:r>
+          </a:p>
+        </p:txBody>
+      </p:sp>
+      <p:sp>
+        <p:nvSpPr>
+          <p:cNvPr id="12" name="Rectangle 11">
+            <a:extLst>
+              <a:ext uri="{FF2B5EF4-FFF2-40B4-BE49-F238E27FC236}">
+                <a16:creationId xmlns:a16="http://schemas.microsoft.com/office/drawing/2014/main" id="{6363B622-8EFB-2243-9BC9-35C820E2A07D}"/>
+              </a:ext>
+            </a:extLst>
+          </p:cNvPr>
+          <p:cNvSpPr/>
+          <p:nvPr/>
+        </p:nvSpPr>
+        <p:spPr>
+          <a:xfrm>
+            <a:off x="4721835" y="3023689"/>
+            <a:ext cx="1756881" cy="1335640"/>
+          </a:xfrm>
+          <a:prstGeom prst="rect">
+            <a:avLst/>
+          </a:prstGeom>
+        </p:spPr>
+        <p:style>
+          <a:lnRef idx="2">
+            <a:schemeClr val="accent5">
+              <a:shade val="50000"/>
+            </a:schemeClr>
+          </a:lnRef>
+          <a:fillRef idx="1">
+            <a:schemeClr val="accent5"/>
+          </a:fillRef>
+          <a:effectRef idx="0">
+            <a:schemeClr val="accent5"/>
+          </a:effectRef>
+          <a:fontRef idx="minor">
+            <a:schemeClr val="lt1"/>
+          </a:fontRef>
+        </p:style>
+        <p:txBody>
+          <a:bodyPr rtlCol="0" anchor="ctr"/>
+          <a:lstStyle/>
+          <a:p>
+            <a:pPr algn="ctr"/>
+            <a:r>
+              <a:rPr lang="en-US" dirty="0"/>
+              <a:t>Layout</a:t>
+            </a:r>
+          </a:p>
+        </p:txBody>
+      </p:sp>
+      <p:sp>
+        <p:nvSpPr>
+          <p:cNvPr id="13" name="Rectangle 12">
+            <a:extLst>
+              <a:ext uri="{FF2B5EF4-FFF2-40B4-BE49-F238E27FC236}">
+                <a16:creationId xmlns:a16="http://schemas.microsoft.com/office/drawing/2014/main" id="{0978EAEF-2585-0A46-8869-8329C5BDD8E1}"/>
+              </a:ext>
+            </a:extLst>
+          </p:cNvPr>
+          <p:cNvSpPr/>
+          <p:nvPr/>
+        </p:nvSpPr>
+        <p:spPr>
+          <a:xfrm>
+            <a:off x="6602007" y="3023689"/>
+            <a:ext cx="1756881" cy="1335640"/>
+          </a:xfrm>
+          <a:prstGeom prst="rect">
+            <a:avLst/>
+          </a:prstGeom>
+        </p:spPr>
+        <p:style>
+          <a:lnRef idx="2">
+            <a:schemeClr val="accent5">
+              <a:shade val="50000"/>
+            </a:schemeClr>
+          </a:lnRef>
+          <a:fillRef idx="1">
+            <a:schemeClr val="accent5"/>
+          </a:fillRef>
+          <a:effectRef idx="0">
+            <a:schemeClr val="accent5"/>
+          </a:effectRef>
+          <a:fontRef idx="minor">
+            <a:schemeClr val="lt1"/>
+          </a:fontRef>
+        </p:style>
+        <p:txBody>
+          <a:bodyPr rtlCol="0" anchor="ctr"/>
+          <a:lstStyle/>
+          <a:p>
+            <a:pPr algn="ctr"/>
+            <a:r>
+              <a:rPr lang="en-US" dirty="0"/>
+              <a:t>Component-4</a:t>
+            </a:r>
+          </a:p>
+        </p:txBody>
+      </p:sp>
+    </p:spTree>
+    <p:extLst>
+      <p:ext uri="{BB962C8B-B14F-4D97-AF65-F5344CB8AC3E}">
+        <p14:creationId xmlns:p14="http://schemas.microsoft.com/office/powerpoint/2010/main" val="2312835678"/>
+      </p:ext>
+    </p:extLst>
+  </p:cSld>
+  <p:clrMapOvr>
+    <a:masterClrMapping/>
+  </p:clrMapOvr>
+</p:sld>
+</file>
+
 <file path=ppt/slides/slide17.xml><?xml version="1.0" encoding="utf-8"?>
 <p:sld xmlns:a="http://schemas.openxmlformats.org/drawingml/2006/main" xmlns:r="http://schemas.openxmlformats.org/officeDocument/2006/relationships" xmlns:p="http://schemas.openxmlformats.org/presentationml/2006/main">
   <p:cSld>
@@ -6835,82 +7165,108 @@
           <a:chExt cx="0" cy="0"/>
         </a:xfrm>
       </p:grpSpPr>
-      <p:sp>
-        <p:nvSpPr>
-          <p:cNvPr id="2" name="Title 1">
-            <a:extLst>
-              <a:ext uri="{FF2B5EF4-FFF2-40B4-BE49-F238E27FC236}">
-                <a16:creationId xmlns:a16="http://schemas.microsoft.com/office/drawing/2014/main" id="{7814F5F0-3E9D-4D45-AEA1-99ABC2669319}"/>
-              </a:ext>
-            </a:extLst>
-          </p:cNvPr>
-          <p:cNvSpPr>
-            <a:spLocks noGrp="1"/>
-          </p:cNvSpPr>
-          <p:nvPr>
-            <p:ph type="title"/>
-          </p:nvPr>
-        </p:nvSpPr>
-        <p:spPr/>
-        <p:txBody>
-          <a:bodyPr/>
-          <a:lstStyle/>
-          <a:p>
-            <a:r>
-              <a:rPr lang="en-US" dirty="0"/>
-              <a:t>Nested Layout </a:t>
-            </a:r>
-          </a:p>
-        </p:txBody>
-      </p:sp>
-      <p:sp>
-        <p:nvSpPr>
-          <p:cNvPr id="3" name="Content Placeholder 2">
-            <a:extLst>
-              <a:ext uri="{FF2B5EF4-FFF2-40B4-BE49-F238E27FC236}">
-                <a16:creationId xmlns:a16="http://schemas.microsoft.com/office/drawing/2014/main" id="{9F0754AB-7E7A-624B-8E42-F8916387B701}"/>
-              </a:ext>
-            </a:extLst>
-          </p:cNvPr>
-          <p:cNvSpPr>
-            <a:spLocks noGrp="1"/>
-          </p:cNvSpPr>
-          <p:nvPr>
-            <p:ph idx="1"/>
-          </p:nvPr>
-        </p:nvSpPr>
-        <p:spPr>
-          <a:xfrm>
-            <a:off x="838200" y="1825625"/>
-            <a:ext cx="10515600" cy="917575"/>
-          </a:xfrm>
-        </p:spPr>
-        <p:txBody>
-          <a:bodyPr/>
-          <a:lstStyle/>
-          <a:p>
-            <a:r>
-              <a:rPr lang="en-US" dirty="0"/>
-              <a:t>Elements can have layouts within them(Max N-Rows,12 Components, N Depth)</a:t>
-            </a:r>
-          </a:p>
-          <a:p>
-            <a:endParaRPr lang="en-US" dirty="0"/>
-          </a:p>
-          <a:p>
-            <a:endParaRPr lang="en-US" dirty="0"/>
-          </a:p>
-          <a:p>
-            <a:endParaRPr lang="en-US" dirty="0"/>
-          </a:p>
-        </p:txBody>
-      </p:sp>
-      <p:sp>
-        <p:nvSpPr>
-          <p:cNvPr id="8" name="Rectangle 7">
-            <a:extLst>
-              <a:ext uri="{FF2B5EF4-FFF2-40B4-BE49-F238E27FC236}">
-                <a16:creationId xmlns:a16="http://schemas.microsoft.com/office/drawing/2014/main" id="{9C2B9533-0CFC-144C-B287-67D4DB55634B}"/>
+      <p:pic>
+        <p:nvPicPr>
+          <p:cNvPr id="7" name="Picture 6">
+            <a:extLst>
+              <a:ext uri="{FF2B5EF4-FFF2-40B4-BE49-F238E27FC236}">
+                <a16:creationId xmlns:a16="http://schemas.microsoft.com/office/drawing/2014/main" id="{AD9D9C59-7CEF-234B-8F65-D03E0D3EF153}"/>
+              </a:ext>
+            </a:extLst>
+          </p:cNvPr>
+          <p:cNvPicPr>
+            <a:picLocks noChangeAspect="1"/>
+          </p:cNvPicPr>
+          <p:nvPr/>
+        </p:nvPicPr>
+        <p:blipFill>
+          <a:blip r:embed="rId2"/>
+          <a:stretch>
+            <a:fillRect/>
+          </a:stretch>
+        </p:blipFill>
+        <p:spPr>
+          <a:xfrm>
+            <a:off x="344858" y="1752341"/>
+            <a:ext cx="2540000" cy="2540000"/>
+          </a:xfrm>
+          <a:prstGeom prst="rect">
+            <a:avLst/>
+          </a:prstGeom>
+        </p:spPr>
+      </p:pic>
+      <p:pic>
+        <p:nvPicPr>
+          <p:cNvPr id="9" name="Picture 8">
+            <a:extLst>
+              <a:ext uri="{FF2B5EF4-FFF2-40B4-BE49-F238E27FC236}">
+                <a16:creationId xmlns:a16="http://schemas.microsoft.com/office/drawing/2014/main" id="{61EE4CD6-1B03-1047-8B14-87041983064D}"/>
+              </a:ext>
+            </a:extLst>
+          </p:cNvPr>
+          <p:cNvPicPr>
+            <a:picLocks noChangeAspect="1"/>
+          </p:cNvPicPr>
+          <p:nvPr/>
+        </p:nvPicPr>
+        <p:blipFill>
+          <a:blip r:embed="rId3"/>
+          <a:stretch>
+            <a:fillRect/>
+          </a:stretch>
+        </p:blipFill>
+        <p:spPr>
+          <a:xfrm>
+            <a:off x="4945061" y="2683461"/>
+            <a:ext cx="933041" cy="933041"/>
+          </a:xfrm>
+          <a:prstGeom prst="rect">
+            <a:avLst/>
+          </a:prstGeom>
+        </p:spPr>
+      </p:pic>
+      <p:pic>
+        <p:nvPicPr>
+          <p:cNvPr id="11" name="Graphic 10">
+            <a:extLst>
+              <a:ext uri="{FF2B5EF4-FFF2-40B4-BE49-F238E27FC236}">
+                <a16:creationId xmlns:a16="http://schemas.microsoft.com/office/drawing/2014/main" id="{EEDF6813-E20E-B445-87EB-4AB835DF5307}"/>
+              </a:ext>
+            </a:extLst>
+          </p:cNvPr>
+          <p:cNvPicPr>
+            <a:picLocks noChangeAspect="1"/>
+          </p:cNvPicPr>
+          <p:nvPr/>
+        </p:nvPicPr>
+        <p:blipFill>
+          <a:blip r:embed="rId4">
+            <a:extLst>
+              <a:ext uri="{96DAC541-7B7A-43D3-8B79-37D633B846F1}">
+                <asvg:svgBlip xmlns:asvg="http://schemas.microsoft.com/office/drawing/2016/SVG/main" r:embed="rId5"/>
+              </a:ext>
+            </a:extLst>
+          </a:blip>
+          <a:stretch>
+            <a:fillRect/>
+          </a:stretch>
+        </p:blipFill>
+        <p:spPr>
+          <a:xfrm>
+            <a:off x="7938303" y="1874943"/>
+            <a:ext cx="2121703" cy="2121703"/>
+          </a:xfrm>
+          <a:prstGeom prst="rect">
+            <a:avLst/>
+          </a:prstGeom>
+        </p:spPr>
+      </p:pic>
+      <p:sp>
+        <p:nvSpPr>
+          <p:cNvPr id="12" name="Right Arrow 11">
+            <a:extLst>
+              <a:ext uri="{FF2B5EF4-FFF2-40B4-BE49-F238E27FC236}">
+                <a16:creationId xmlns:a16="http://schemas.microsoft.com/office/drawing/2014/main" id="{6928D00E-134B-3446-B13E-33379984FA56}"/>
               </a:ext>
             </a:extLst>
           </p:cNvPr>
@@ -6919,47 +7275,44 @@
         </p:nvSpPr>
         <p:spPr>
           <a:xfrm>
-            <a:off x="838200" y="2878137"/>
-            <a:ext cx="9883740" cy="1785063"/>
-          </a:xfrm>
-          <a:prstGeom prst="rect">
+            <a:off x="3344341" y="2872579"/>
+            <a:ext cx="842481" cy="554804"/>
+          </a:xfrm>
+          <a:prstGeom prst="rightArrow">
             <a:avLst/>
           </a:prstGeom>
         </p:spPr>
         <p:style>
           <a:lnRef idx="2">
-            <a:schemeClr val="accent1">
+            <a:schemeClr val="dk1">
               <a:shade val="50000"/>
             </a:schemeClr>
           </a:lnRef>
           <a:fillRef idx="1">
-            <a:schemeClr val="accent1"/>
+            <a:schemeClr val="dk1"/>
           </a:fillRef>
           <a:effectRef idx="0">
-            <a:schemeClr val="accent1"/>
+            <a:schemeClr val="dk1"/>
           </a:effectRef>
           <a:fontRef idx="minor">
             <a:schemeClr val="lt1"/>
           </a:fontRef>
         </p:style>
         <p:txBody>
-          <a:bodyPr rtlCol="0" anchor="b"/>
+          <a:bodyPr rtlCol="0" anchor="ctr"/>
           <a:lstStyle/>
           <a:p>
             <a:pPr algn="ctr"/>
-            <a:r>
-              <a:rPr lang="en-US" dirty="0"/>
-              <a:t>Row-1</a:t>
-            </a:r>
-          </a:p>
-        </p:txBody>
-      </p:sp>
-      <p:sp>
-        <p:nvSpPr>
-          <p:cNvPr id="9" name="Rectangle 8">
-            <a:extLst>
-              <a:ext uri="{FF2B5EF4-FFF2-40B4-BE49-F238E27FC236}">
-                <a16:creationId xmlns:a16="http://schemas.microsoft.com/office/drawing/2014/main" id="{196B9B69-09AE-4B42-84D4-4F65B2C1D7CD}"/>
+            <a:endParaRPr lang="en-US"/>
+          </a:p>
+        </p:txBody>
+      </p:sp>
+      <p:sp>
+        <p:nvSpPr>
+          <p:cNvPr id="13" name="Right Arrow 12">
+            <a:extLst>
+              <a:ext uri="{FF2B5EF4-FFF2-40B4-BE49-F238E27FC236}">
+                <a16:creationId xmlns:a16="http://schemas.microsoft.com/office/drawing/2014/main" id="{8AA204BB-97AE-E24D-A0C7-3498E47CC8ED}"/>
               </a:ext>
             </a:extLst>
           </p:cNvPr>
@@ -6968,24 +7321,24 @@
         </p:nvSpPr>
         <p:spPr>
           <a:xfrm>
-            <a:off x="961491" y="3023689"/>
-            <a:ext cx="1756881" cy="1335640"/>
-          </a:xfrm>
-          <a:prstGeom prst="rect">
+            <a:off x="6369511" y="2872579"/>
+            <a:ext cx="842481" cy="554804"/>
+          </a:xfrm>
+          <a:prstGeom prst="rightArrow">
             <a:avLst/>
           </a:prstGeom>
         </p:spPr>
         <p:style>
           <a:lnRef idx="2">
-            <a:schemeClr val="accent5">
+            <a:schemeClr val="dk1">
               <a:shade val="50000"/>
             </a:schemeClr>
           </a:lnRef>
           <a:fillRef idx="1">
-            <a:schemeClr val="accent5"/>
+            <a:schemeClr val="dk1"/>
           </a:fillRef>
           <a:effectRef idx="0">
-            <a:schemeClr val="accent5"/>
+            <a:schemeClr val="dk1"/>
           </a:effectRef>
           <a:fontRef idx="minor">
             <a:schemeClr val="lt1"/>
@@ -6996,19 +7349,121 @@
           <a:lstStyle/>
           <a:p>
             <a:pPr algn="ctr"/>
-            <a:r>
-              <a:rPr lang="en-US" dirty="0"/>
-              <a:t>Component-1</a:t>
-            </a:r>
-          </a:p>
-        </p:txBody>
-      </p:sp>
-      <p:sp>
-        <p:nvSpPr>
-          <p:cNvPr id="10" name="Rectangle 9">
-            <a:extLst>
-              <a:ext uri="{FF2B5EF4-FFF2-40B4-BE49-F238E27FC236}">
-                <a16:creationId xmlns:a16="http://schemas.microsoft.com/office/drawing/2014/main" id="{093C5B44-BDDB-D447-93FA-449A9A0474EC}"/>
+            <a:endParaRPr lang="en-US"/>
+          </a:p>
+        </p:txBody>
+      </p:sp>
+      <p:sp>
+        <p:nvSpPr>
+          <p:cNvPr id="14" name="TextBox 13">
+            <a:extLst>
+              <a:ext uri="{FF2B5EF4-FFF2-40B4-BE49-F238E27FC236}">
+                <a16:creationId xmlns:a16="http://schemas.microsoft.com/office/drawing/2014/main" id="{4D5E0D99-9A6A-5748-982F-2B3E9AEA67AE}"/>
+              </a:ext>
+            </a:extLst>
+          </p:cNvPr>
+          <p:cNvSpPr txBox="1"/>
+          <p:nvPr/>
+        </p:nvSpPr>
+        <p:spPr>
+          <a:xfrm>
+            <a:off x="4431563" y="1613333"/>
+            <a:ext cx="1651093" cy="523220"/>
+          </a:xfrm>
+          <a:prstGeom prst="rect">
+            <a:avLst/>
+          </a:prstGeom>
+          <a:noFill/>
+        </p:spPr>
+        <p:txBody>
+          <a:bodyPr wrap="none" rtlCol="0">
+            <a:spAutoFit/>
+          </a:bodyPr>
+          <a:lstStyle/>
+          <a:p>
+            <a:r>
+              <a:rPr lang="en-US" sz="2800" b="1" dirty="0"/>
+              <a:t>Workflow</a:t>
+            </a:r>
+          </a:p>
+        </p:txBody>
+      </p:sp>
+      <p:sp>
+        <p:nvSpPr>
+          <p:cNvPr id="15" name="TextBox 14">
+            <a:extLst>
+              <a:ext uri="{FF2B5EF4-FFF2-40B4-BE49-F238E27FC236}">
+                <a16:creationId xmlns:a16="http://schemas.microsoft.com/office/drawing/2014/main" id="{DAF71D8C-F4C1-8745-B593-3A9A8159842C}"/>
+              </a:ext>
+            </a:extLst>
+          </p:cNvPr>
+          <p:cNvSpPr txBox="1"/>
+          <p:nvPr/>
+        </p:nvSpPr>
+        <p:spPr>
+          <a:xfrm>
+            <a:off x="973496" y="4238713"/>
+            <a:ext cx="1282723" cy="307777"/>
+          </a:xfrm>
+          <a:prstGeom prst="rect">
+            <a:avLst/>
+          </a:prstGeom>
+          <a:noFill/>
+        </p:spPr>
+        <p:txBody>
+          <a:bodyPr wrap="none" rtlCol="0">
+            <a:spAutoFit/>
+          </a:bodyPr>
+          <a:lstStyle/>
+          <a:p>
+            <a:r>
+              <a:rPr lang="en-US" sz="1400" dirty="0"/>
+              <a:t>Input JSON File</a:t>
+            </a:r>
+          </a:p>
+        </p:txBody>
+      </p:sp>
+      <p:sp>
+        <p:nvSpPr>
+          <p:cNvPr id="16" name="TextBox 15">
+            <a:extLst>
+              <a:ext uri="{FF2B5EF4-FFF2-40B4-BE49-F238E27FC236}">
+                <a16:creationId xmlns:a16="http://schemas.microsoft.com/office/drawing/2014/main" id="{311D5139-20E0-C444-8F67-F18E9CD66C81}"/>
+              </a:ext>
+            </a:extLst>
+          </p:cNvPr>
+          <p:cNvSpPr txBox="1"/>
+          <p:nvPr/>
+        </p:nvSpPr>
+        <p:spPr>
+          <a:xfrm>
+            <a:off x="8185454" y="4051969"/>
+            <a:ext cx="1874552" cy="307777"/>
+          </a:xfrm>
+          <a:prstGeom prst="rect">
+            <a:avLst/>
+          </a:prstGeom>
+          <a:noFill/>
+        </p:spPr>
+        <p:txBody>
+          <a:bodyPr wrap="none" rtlCol="0">
+            <a:spAutoFit/>
+          </a:bodyPr>
+          <a:lstStyle/>
+          <a:p>
+            <a:r>
+              <a:rPr lang="en-US" sz="1400" dirty="0"/>
+              <a:t>Output Angular Project</a:t>
+            </a:r>
+          </a:p>
+        </p:txBody>
+      </p:sp>
+      <p:sp>
+        <p:nvSpPr>
+          <p:cNvPr id="18" name="Rectangle 17">
+            <a:extLst>
+              <a:ext uri="{FF2B5EF4-FFF2-40B4-BE49-F238E27FC236}">
+                <a16:creationId xmlns:a16="http://schemas.microsoft.com/office/drawing/2014/main" id="{2B75FB77-680F-F442-8A66-9C847EDB6435}"/>
               </a:ext>
             </a:extLst>
           </p:cNvPr>
@@ -7017,8 +7472,8 @@
         </p:nvSpPr>
         <p:spPr>
           <a:xfrm>
-            <a:off x="2841663" y="3023689"/>
-            <a:ext cx="1756881" cy="1335640"/>
+            <a:off x="8483129" y="2872579"/>
+            <a:ext cx="710440" cy="409373"/>
           </a:xfrm>
           <a:prstGeom prst="rect">
             <a:avLst/>
@@ -7026,18 +7481,16 @@
         </p:spPr>
         <p:style>
           <a:lnRef idx="2">
-            <a:schemeClr val="accent5">
-              <a:shade val="50000"/>
-            </a:schemeClr>
+            <a:schemeClr val="accent6"/>
           </a:lnRef>
           <a:fillRef idx="1">
-            <a:schemeClr val="accent5"/>
+            <a:schemeClr val="lt1"/>
           </a:fillRef>
           <a:effectRef idx="0">
-            <a:schemeClr val="accent5"/>
+            <a:schemeClr val="accent6"/>
           </a:effectRef>
           <a:fontRef idx="minor">
-            <a:schemeClr val="lt1"/>
+            <a:schemeClr val="dk1"/>
           </a:fontRef>
         </p:style>
         <p:txBody>
@@ -7047,154 +7500,7 @@
             <a:pPr algn="ctr"/>
             <a:r>
               <a:rPr lang="en-US" dirty="0"/>
-              <a:t>Component-2</a:t>
-            </a:r>
-          </a:p>
-        </p:txBody>
-      </p:sp>
-      <p:sp>
-        <p:nvSpPr>
-          <p:cNvPr id="11" name="Rectangle 10">
-            <a:extLst>
-              <a:ext uri="{FF2B5EF4-FFF2-40B4-BE49-F238E27FC236}">
-                <a16:creationId xmlns:a16="http://schemas.microsoft.com/office/drawing/2014/main" id="{C6AF6653-D8E2-6F46-B699-D13162A3D8E8}"/>
-              </a:ext>
-            </a:extLst>
-          </p:cNvPr>
-          <p:cNvSpPr/>
-          <p:nvPr/>
-        </p:nvSpPr>
-        <p:spPr>
-          <a:xfrm>
-            <a:off x="8840057" y="3023689"/>
-            <a:ext cx="1756881" cy="1335640"/>
-          </a:xfrm>
-          <a:prstGeom prst="rect">
-            <a:avLst/>
-          </a:prstGeom>
-        </p:spPr>
-        <p:style>
-          <a:lnRef idx="2">
-            <a:schemeClr val="accent5">
-              <a:shade val="50000"/>
-            </a:schemeClr>
-          </a:lnRef>
-          <a:fillRef idx="1">
-            <a:schemeClr val="accent5"/>
-          </a:fillRef>
-          <a:effectRef idx="0">
-            <a:schemeClr val="accent5"/>
-          </a:effectRef>
-          <a:fontRef idx="minor">
-            <a:schemeClr val="lt1"/>
-          </a:fontRef>
-        </p:style>
-        <p:txBody>
-          <a:bodyPr rtlCol="0" anchor="ctr"/>
-          <a:lstStyle/>
-          <a:p>
-            <a:pPr algn="ctr"/>
-            <a:r>
-              <a:rPr lang="en-US" dirty="0"/>
-              <a:t>Component-12</a:t>
-            </a:r>
-          </a:p>
-        </p:txBody>
-      </p:sp>
-      <p:sp>
-        <p:nvSpPr>
-          <p:cNvPr id="12" name="Rectangle 11">
-            <a:extLst>
-              <a:ext uri="{FF2B5EF4-FFF2-40B4-BE49-F238E27FC236}">
-                <a16:creationId xmlns:a16="http://schemas.microsoft.com/office/drawing/2014/main" id="{6363B622-8EFB-2243-9BC9-35C820E2A07D}"/>
-              </a:ext>
-            </a:extLst>
-          </p:cNvPr>
-          <p:cNvSpPr/>
-          <p:nvPr/>
-        </p:nvSpPr>
-        <p:spPr>
-          <a:xfrm>
-            <a:off x="4721835" y="3023689"/>
-            <a:ext cx="1756881" cy="1335640"/>
-          </a:xfrm>
-          <a:prstGeom prst="rect">
-            <a:avLst/>
-          </a:prstGeom>
-        </p:spPr>
-        <p:style>
-          <a:lnRef idx="2">
-            <a:schemeClr val="accent5">
-              <a:shade val="50000"/>
-            </a:schemeClr>
-          </a:lnRef>
-          <a:fillRef idx="1">
-            <a:schemeClr val="accent5"/>
-          </a:fillRef>
-          <a:effectRef idx="0">
-            <a:schemeClr val="accent5"/>
-          </a:effectRef>
-          <a:fontRef idx="minor">
-            <a:schemeClr val="lt1"/>
-          </a:fontRef>
-        </p:style>
-        <p:txBody>
-          <a:bodyPr rtlCol="0" anchor="ctr"/>
-          <a:lstStyle/>
-          <a:p>
-            <a:pPr algn="ctr"/>
-            <a:r>
-              <a:rPr lang="en-US" dirty="0"/>
-              <a:t>Layout</a:t>
-            </a:r>
-          </a:p>
-        </p:txBody>
-      </p:sp>
-      <p:sp>
-        <p:nvSpPr>
-          <p:cNvPr id="13" name="Rectangle 12">
-            <a:extLst>
-              <a:ext uri="{FF2B5EF4-FFF2-40B4-BE49-F238E27FC236}">
-                <a16:creationId xmlns:a16="http://schemas.microsoft.com/office/drawing/2014/main" id="{0978EAEF-2585-0A46-8869-8329C5BDD8E1}"/>
-              </a:ext>
-            </a:extLst>
-          </p:cNvPr>
-          <p:cNvSpPr/>
-          <p:nvPr/>
-        </p:nvSpPr>
-        <p:spPr>
-          <a:xfrm>
-            <a:off x="6602007" y="3023689"/>
-            <a:ext cx="1756881" cy="1335640"/>
-          </a:xfrm>
-          <a:prstGeom prst="rect">
-            <a:avLst/>
-          </a:prstGeom>
-        </p:spPr>
-        <p:style>
-          <a:lnRef idx="2">
-            <a:schemeClr val="accent5">
-              <a:shade val="50000"/>
-            </a:schemeClr>
-          </a:lnRef>
-          <a:fillRef idx="1">
-            <a:schemeClr val="accent5"/>
-          </a:fillRef>
-          <a:effectRef idx="0">
-            <a:schemeClr val="accent5"/>
-          </a:effectRef>
-          <a:fontRef idx="minor">
-            <a:schemeClr val="lt1"/>
-          </a:fontRef>
-        </p:style>
-        <p:txBody>
-          <a:bodyPr rtlCol="0" anchor="ctr"/>
-          <a:lstStyle/>
-          <a:p>
-            <a:pPr algn="ctr"/>
-            <a:r>
-              <a:rPr lang="en-US" dirty="0"/>
-              <a:t>Component-4</a:t>
+              <a:t>Code</a:t>
             </a:r>
           </a:p>
         </p:txBody>
@@ -7202,7 +7508,7 @@
     </p:spTree>
     <p:extLst>
       <p:ext uri="{BB962C8B-B14F-4D97-AF65-F5344CB8AC3E}">
-        <p14:creationId xmlns:p14="http://schemas.microsoft.com/office/powerpoint/2010/main" val="2312835678"/>
+        <p14:creationId xmlns:p14="http://schemas.microsoft.com/office/powerpoint/2010/main" val="507652103"/>
       </p:ext>
     </p:extLst>
   </p:cSld>
